--- a/ideas/JudgePresentation.pptx
+++ b/ideas/JudgePresentation.pptx
@@ -6948,7 +6948,7 @@
         <p:spPr>
           <a:xfrm>
             <a:off x="6607966" y="976544"/>
-            <a:ext cx="5403519" cy="5710560"/>
+            <a:ext cx="5584034" cy="5710560"/>
           </a:xfrm>
         </p:spPr>
         <p:txBody>
@@ -6959,8 +6959,57 @@
           <a:p>
             <a:r>
               <a:rPr lang="en-GB" dirty="0"/>
-              <a:t>Potential Scenario</a:t>
-            </a:r>
+              <a:t>Ideal Scenario</a:t>
+            </a:r>
+          </a:p>
+          <a:p>
+            <a:pPr lvl="1"/>
+            <a:r>
+              <a:rPr lang="en-GB" dirty="0"/>
+              <a:t>A person registers a case with an organisation.</a:t>
+            </a:r>
+          </a:p>
+          <a:p>
+            <a:pPr lvl="1"/>
+            <a:r>
+              <a:rPr lang="en-GB" dirty="0"/>
+              <a:t>The organisation then creates a case on the application</a:t>
+            </a:r>
+          </a:p>
+          <a:p>
+            <a:pPr lvl="1"/>
+            <a:r>
+              <a:rPr lang="en-GB" dirty="0"/>
+              <a:t>A set of users choose to invest time/money into the case</a:t>
+            </a:r>
+          </a:p>
+          <a:p>
+            <a:pPr lvl="1"/>
+            <a:r>
+              <a:rPr lang="en-GB" dirty="0"/>
+              <a:t>The target for the case is reached.</a:t>
+            </a:r>
+          </a:p>
+          <a:p>
+            <a:pPr lvl="1"/>
+            <a:r>
+              <a:rPr lang="en-GB" dirty="0"/>
+              <a:t>The individual registered with the case has got the help needed to get their life back on track.</a:t>
+            </a:r>
+          </a:p>
+          <a:p>
+            <a:pPr lvl="1"/>
+            <a:r>
+              <a:rPr lang="en-GB" dirty="0"/>
+              <a:t>The individuals are updated with the progress of </a:t>
+            </a:r>
+            <a:r>
+              <a:rPr lang="en-GB"/>
+              <a:t>the individual</a:t>
+            </a:r>
+          </a:p>
+          <a:p>
+            <a:pPr lvl="1"/>
             <a:endParaRPr lang="en-MT" dirty="0"/>
           </a:p>
         </p:txBody>

--- a/ideas/JudgePresentation.pptx
+++ b/ideas/JudgePresentation.pptx
@@ -5,8 +5,7 @@
     <p:sldMasterId id="2147483696" r:id="rId1"/>
   </p:sldMasterIdLst>
   <p:sldIdLst>
-    <p:sldId id="256" r:id="rId2"/>
-    <p:sldId id="257" r:id="rId3"/>
+    <p:sldId id="257" r:id="rId2"/>
   </p:sldIdLst>
   <p:sldSz cx="12192000" cy="6858000"/>
   <p:notesSz cx="6858000" cy="9144000"/>
@@ -105,6 +104,11 @@
       </a:defRPr>
     </a:lvl9pPr>
   </p:defaultTextStyle>
+  <p:extLst>
+    <p:ext uri="{EFAFB233-063F-42B5-8137-9DF3F51BA10A}">
+      <p15:sldGuideLst xmlns:p15="http://schemas.microsoft.com/office/powerpoint/2012/main"/>
+    </p:ext>
+  </p:extLst>
 </p:presentation>
 </file>
 
@@ -6119,14 +6123,6 @@
 <file path=ppt/slides/slide1.xml><?xml version="1.0" encoding="utf-8"?>
 <p:sld xmlns:a="http://schemas.openxmlformats.org/drawingml/2006/main" xmlns:r="http://schemas.openxmlformats.org/officeDocument/2006/relationships" xmlns:p="http://schemas.openxmlformats.org/presentationml/2006/main">
   <p:cSld>
-    <p:bg>
-      <p:bgPr>
-        <a:solidFill>
-          <a:schemeClr val="bg2"/>
-        </a:solidFill>
-        <a:effectLst/>
-      </p:bgPr>
-    </p:bg>
     <p:spTree>
       <p:nvGrpSpPr>
         <p:cNvPr id="1" name=""/>
@@ -6141,697 +6137,6 @@
           <a:chExt cx="0" cy="0"/>
         </a:xfrm>
       </p:grpSpPr>
-      <p:sp useBgFill="1">
-        <p:nvSpPr>
-          <p:cNvPr id="5" name="Rectangle 7">
-            <a:extLst>
-              <a:ext uri="{FF2B5EF4-FFF2-40B4-BE49-F238E27FC236}">
-                <a16:creationId xmlns:a16="http://schemas.microsoft.com/office/drawing/2014/main" id="{E67A1FC6-22FB-4EA7-B90A-C9F18FBEF30F}"/>
-              </a:ext>
-              <a:ext uri="{C183D7F6-B498-43B3-948B-1728B52AA6E4}">
-                <adec:decorative xmlns:adec="http://schemas.microsoft.com/office/drawing/2017/decorative" val="1"/>
-              </a:ext>
-            </a:extLst>
-          </p:cNvPr>
-          <p:cNvSpPr>
-            <a:spLocks noGrp="1" noRot="1" noChangeAspect="1" noMove="1" noResize="1" noEditPoints="1" noAdjustHandles="1" noChangeArrowheads="1" noChangeShapeType="1" noTextEdit="1"/>
-          </p:cNvSpPr>
-          <p:nvPr>
-            <p:extLst>
-              <p:ext uri="{386F3935-93C4-4BCD-93E2-E3B085C9AB24}">
-                <p16:designElem xmlns:p16="http://schemas.microsoft.com/office/powerpoint/2015/main" val="1"/>
-              </p:ext>
-            </p:extLst>
-          </p:nvPr>
-        </p:nvSpPr>
-        <p:spPr>
-          <a:xfrm>
-            <a:off x="0" y="0"/>
-            <a:ext cx="12192000" cy="6858000"/>
-          </a:xfrm>
-          <a:prstGeom prst="rect">
-            <a:avLst/>
-          </a:prstGeom>
-          <a:ln>
-            <a:noFill/>
-          </a:ln>
-        </p:spPr>
-        <p:style>
-          <a:lnRef idx="2">
-            <a:schemeClr val="accent1">
-              <a:shade val="50000"/>
-            </a:schemeClr>
-          </a:lnRef>
-          <a:fillRef idx="1">
-            <a:schemeClr val="accent1"/>
-          </a:fillRef>
-          <a:effectRef idx="0">
-            <a:schemeClr val="accent1"/>
-          </a:effectRef>
-          <a:fontRef idx="minor">
-            <a:schemeClr val="lt1"/>
-          </a:fontRef>
-        </p:style>
-        <p:txBody>
-          <a:bodyPr rtlCol="0" anchor="ctr"/>
-          <a:lstStyle/>
-          <a:p>
-            <a:pPr algn="ctr"/>
-            <a:endParaRPr lang="en-US"/>
-          </a:p>
-        </p:txBody>
-      </p:sp>
-      <p:sp>
-        <p:nvSpPr>
-          <p:cNvPr id="6" name="Freeform: Shape 9">
-            <a:extLst>
-              <a:ext uri="{FF2B5EF4-FFF2-40B4-BE49-F238E27FC236}">
-                <a16:creationId xmlns:a16="http://schemas.microsoft.com/office/drawing/2014/main" id="{6246FDC4-DD97-431A-914A-9EB57A4A3C7C}"/>
-              </a:ext>
-              <a:ext uri="{C183D7F6-B498-43B3-948B-1728B52AA6E4}">
-                <adec:decorative xmlns:adec="http://schemas.microsoft.com/office/drawing/2017/decorative" val="1"/>
-              </a:ext>
-            </a:extLst>
-          </p:cNvPr>
-          <p:cNvSpPr>
-            <a:spLocks noGrp="1" noRot="1" noChangeAspect="1" noMove="1" noResize="1" noEditPoints="1" noAdjustHandles="1" noChangeArrowheads="1" noChangeShapeType="1" noTextEdit="1"/>
-          </p:cNvSpPr>
-          <p:nvPr>
-            <p:extLst>
-              <p:ext uri="{386F3935-93C4-4BCD-93E2-E3B085C9AB24}">
-                <p16:designElem xmlns:p16="http://schemas.microsoft.com/office/powerpoint/2015/main" val="1"/>
-              </p:ext>
-            </p:extLst>
-          </p:nvPr>
-        </p:nvSpPr>
-        <p:spPr>
-          <a:xfrm>
-            <a:off x="0" y="0"/>
-            <a:ext cx="7912130" cy="6858000"/>
-          </a:xfrm>
-          <a:custGeom>
-            <a:avLst/>
-            <a:gdLst>
-              <a:gd name="connsiteX0" fmla="*/ 1073044 w 7912130"/>
-              <a:gd name="connsiteY0" fmla="*/ 3032931 h 6858000"/>
-              <a:gd name="connsiteX1" fmla="*/ 1073044 w 7912130"/>
-              <a:gd name="connsiteY1" fmla="*/ 3035810 h 6858000"/>
-              <a:gd name="connsiteX2" fmla="*/ 1076802 w 7912130"/>
-              <a:gd name="connsiteY2" fmla="*/ 3035810 h 6858000"/>
-              <a:gd name="connsiteX3" fmla="*/ 1170738 w 7912130"/>
-              <a:gd name="connsiteY3" fmla="*/ 1248347 h 6858000"/>
-              <a:gd name="connsiteX4" fmla="*/ 1170738 w 7912130"/>
-              <a:gd name="connsiteY4" fmla="*/ 1273486 h 6858000"/>
-              <a:gd name="connsiteX5" fmla="*/ 1183895 w 7912130"/>
-              <a:gd name="connsiteY5" fmla="*/ 1248347 h 6858000"/>
-              <a:gd name="connsiteX6" fmla="*/ 0 w 7912130"/>
-              <a:gd name="connsiteY6" fmla="*/ 0 h 6858000"/>
-              <a:gd name="connsiteX7" fmla="*/ 2133906 w 7912130"/>
-              <a:gd name="connsiteY7" fmla="*/ 0 h 6858000"/>
-              <a:gd name="connsiteX8" fmla="*/ 2629909 w 7912130"/>
-              <a:gd name="connsiteY8" fmla="*/ 0 h 6858000"/>
-              <a:gd name="connsiteX9" fmla="*/ 1227479 w 7912130"/>
-              <a:gd name="connsiteY9" fmla="*/ 2669551 h 6858000"/>
-              <a:gd name="connsiteX10" fmla="*/ 1235349 w 7912130"/>
-              <a:gd name="connsiteY10" fmla="*/ 2673350 h 6858000"/>
-              <a:gd name="connsiteX11" fmla="*/ 1353755 w 7912130"/>
-              <a:gd name="connsiteY11" fmla="*/ 2754312 h 6858000"/>
-              <a:gd name="connsiteX12" fmla="*/ 7912130 w 7912130"/>
-              <a:gd name="connsiteY12" fmla="*/ 6858000 h 6858000"/>
-              <a:gd name="connsiteX13" fmla="*/ 6066970 w 7912130"/>
-              <a:gd name="connsiteY13" fmla="*/ 6858000 h 6858000"/>
-              <a:gd name="connsiteX14" fmla="*/ 6059889 w 7912130"/>
-              <a:gd name="connsiteY14" fmla="*/ 6852577 h 6858000"/>
-              <a:gd name="connsiteX15" fmla="*/ 6059889 w 7912130"/>
-              <a:gd name="connsiteY15" fmla="*/ 6857999 h 6858000"/>
-              <a:gd name="connsiteX16" fmla="*/ 1707025 w 7912130"/>
-              <a:gd name="connsiteY16" fmla="*/ 6857999 h 6858000"/>
-              <a:gd name="connsiteX17" fmla="*/ 1707025 w 7912130"/>
-              <a:gd name="connsiteY17" fmla="*/ 6858000 h 6858000"/>
-              <a:gd name="connsiteX18" fmla="*/ 1073044 w 7912130"/>
-              <a:gd name="connsiteY18" fmla="*/ 6858000 h 6858000"/>
-              <a:gd name="connsiteX19" fmla="*/ 536592 w 7912130"/>
-              <a:gd name="connsiteY19" fmla="*/ 6858000 h 6858000"/>
-              <a:gd name="connsiteX20" fmla="*/ 0 w 7912130"/>
-              <a:gd name="connsiteY20" fmla="*/ 6858000 h 6858000"/>
-            </a:gdLst>
-            <a:ahLst/>
-            <a:cxnLst>
-              <a:cxn ang="0">
-                <a:pos x="connsiteX0" y="connsiteY0"/>
-              </a:cxn>
-              <a:cxn ang="0">
-                <a:pos x="connsiteX1" y="connsiteY1"/>
-              </a:cxn>
-              <a:cxn ang="0">
-                <a:pos x="connsiteX2" y="connsiteY2"/>
-              </a:cxn>
-              <a:cxn ang="0">
-                <a:pos x="connsiteX3" y="connsiteY3"/>
-              </a:cxn>
-              <a:cxn ang="0">
-                <a:pos x="connsiteX4" y="connsiteY4"/>
-              </a:cxn>
-              <a:cxn ang="0">
-                <a:pos x="connsiteX5" y="connsiteY5"/>
-              </a:cxn>
-              <a:cxn ang="0">
-                <a:pos x="connsiteX6" y="connsiteY6"/>
-              </a:cxn>
-              <a:cxn ang="0">
-                <a:pos x="connsiteX7" y="connsiteY7"/>
-              </a:cxn>
-              <a:cxn ang="0">
-                <a:pos x="connsiteX8" y="connsiteY8"/>
-              </a:cxn>
-              <a:cxn ang="0">
-                <a:pos x="connsiteX9" y="connsiteY9"/>
-              </a:cxn>
-              <a:cxn ang="0">
-                <a:pos x="connsiteX10" y="connsiteY10"/>
-              </a:cxn>
-              <a:cxn ang="0">
-                <a:pos x="connsiteX11" y="connsiteY11"/>
-              </a:cxn>
-              <a:cxn ang="0">
-                <a:pos x="connsiteX12" y="connsiteY12"/>
-              </a:cxn>
-              <a:cxn ang="0">
-                <a:pos x="connsiteX13" y="connsiteY13"/>
-              </a:cxn>
-              <a:cxn ang="0">
-                <a:pos x="connsiteX14" y="connsiteY14"/>
-              </a:cxn>
-              <a:cxn ang="0">
-                <a:pos x="connsiteX15" y="connsiteY15"/>
-              </a:cxn>
-              <a:cxn ang="0">
-                <a:pos x="connsiteX16" y="connsiteY16"/>
-              </a:cxn>
-              <a:cxn ang="0">
-                <a:pos x="connsiteX17" y="connsiteY17"/>
-              </a:cxn>
-              <a:cxn ang="0">
-                <a:pos x="connsiteX18" y="connsiteY18"/>
-              </a:cxn>
-              <a:cxn ang="0">
-                <a:pos x="connsiteX19" y="connsiteY19"/>
-              </a:cxn>
-              <a:cxn ang="0">
-                <a:pos x="connsiteX20" y="connsiteY20"/>
-              </a:cxn>
-            </a:cxnLst>
-            <a:rect l="l" t="t" r="r" b="b"/>
-            <a:pathLst>
-              <a:path w="7912130" h="6858000">
-                <a:moveTo>
-                  <a:pt x="1073044" y="3032931"/>
-                </a:moveTo>
-                <a:lnTo>
-                  <a:pt x="1073044" y="3035810"/>
-                </a:lnTo>
-                <a:lnTo>
-                  <a:pt x="1076802" y="3035810"/>
-                </a:lnTo>
-                <a:close/>
-                <a:moveTo>
-                  <a:pt x="1170738" y="1248347"/>
-                </a:moveTo>
-                <a:lnTo>
-                  <a:pt x="1170738" y="1273486"/>
-                </a:lnTo>
-                <a:lnTo>
-                  <a:pt x="1183895" y="1248347"/>
-                </a:lnTo>
-                <a:close/>
-                <a:moveTo>
-                  <a:pt x="0" y="0"/>
-                </a:moveTo>
-                <a:lnTo>
-                  <a:pt x="2133906" y="0"/>
-                </a:lnTo>
-                <a:lnTo>
-                  <a:pt x="2629909" y="0"/>
-                </a:lnTo>
-                <a:lnTo>
-                  <a:pt x="1227479" y="2669551"/>
-                </a:lnTo>
-                <a:lnTo>
-                  <a:pt x="1235349" y="2673350"/>
-                </a:lnTo>
-                <a:lnTo>
-                  <a:pt x="1353755" y="2754312"/>
-                </a:lnTo>
-                <a:lnTo>
-                  <a:pt x="7912130" y="6858000"/>
-                </a:lnTo>
-                <a:lnTo>
-                  <a:pt x="6066970" y="6858000"/>
-                </a:lnTo>
-                <a:lnTo>
-                  <a:pt x="6059889" y="6852577"/>
-                </a:lnTo>
-                <a:lnTo>
-                  <a:pt x="6059889" y="6857999"/>
-                </a:lnTo>
-                <a:lnTo>
-                  <a:pt x="1707025" y="6857999"/>
-                </a:lnTo>
-                <a:lnTo>
-                  <a:pt x="1707025" y="6858000"/>
-                </a:lnTo>
-                <a:lnTo>
-                  <a:pt x="1073044" y="6858000"/>
-                </a:lnTo>
-                <a:lnTo>
-                  <a:pt x="536592" y="6858000"/>
-                </a:lnTo>
-                <a:lnTo>
-                  <a:pt x="0" y="6858000"/>
-                </a:lnTo>
-                <a:close/>
-              </a:path>
-            </a:pathLst>
-          </a:custGeom>
-          <a:solidFill>
-            <a:schemeClr val="accent1">
-              <a:lumMod val="75000"/>
-            </a:schemeClr>
-          </a:solidFill>
-          <a:ln>
-            <a:noFill/>
-          </a:ln>
-        </p:spPr>
-        <p:style>
-          <a:lnRef idx="2">
-            <a:schemeClr val="accent1">
-              <a:shade val="50000"/>
-            </a:schemeClr>
-          </a:lnRef>
-          <a:fillRef idx="1">
-            <a:schemeClr val="accent1"/>
-          </a:fillRef>
-          <a:effectRef idx="0">
-            <a:schemeClr val="accent1"/>
-          </a:effectRef>
-          <a:fontRef idx="minor">
-            <a:schemeClr val="lt1"/>
-          </a:fontRef>
-        </p:style>
-        <p:txBody>
-          <a:bodyPr wrap="square" rtlCol="0" anchor="ctr">
-            <a:noAutofit/>
-          </a:bodyPr>
-          <a:lstStyle/>
-          <a:p>
-            <a:pPr algn="ctr"/>
-            <a:endParaRPr lang="en-US"/>
-          </a:p>
-        </p:txBody>
-      </p:sp>
-      <p:sp>
-        <p:nvSpPr>
-          <p:cNvPr id="12" name="Freeform: Shape 11">
-            <a:extLst>
-              <a:ext uri="{FF2B5EF4-FFF2-40B4-BE49-F238E27FC236}">
-                <a16:creationId xmlns:a16="http://schemas.microsoft.com/office/drawing/2014/main" id="{CD4E68A2-74B0-42F5-BB75-2E1A7C2018C7}"/>
-              </a:ext>
-              <a:ext uri="{C183D7F6-B498-43B3-948B-1728B52AA6E4}">
-                <adec:decorative xmlns:adec="http://schemas.microsoft.com/office/drawing/2017/decorative" val="1"/>
-              </a:ext>
-            </a:extLst>
-          </p:cNvPr>
-          <p:cNvSpPr>
-            <a:spLocks noGrp="1" noRot="1" noChangeAspect="1" noMove="1" noResize="1" noEditPoints="1" noAdjustHandles="1" noChangeArrowheads="1" noChangeShapeType="1" noTextEdit="1"/>
-          </p:cNvSpPr>
-          <p:nvPr>
-            <p:extLst>
-              <p:ext uri="{386F3935-93C4-4BCD-93E2-E3B085C9AB24}">
-                <p16:designElem xmlns:p16="http://schemas.microsoft.com/office/powerpoint/2015/main" val="1"/>
-              </p:ext>
-            </p:extLst>
-          </p:nvPr>
-        </p:nvSpPr>
-        <p:spPr>
-          <a:xfrm>
-            <a:off x="1" y="0"/>
-            <a:ext cx="7535917" cy="6858000"/>
-          </a:xfrm>
-          <a:custGeom>
-            <a:avLst/>
-            <a:gdLst>
-              <a:gd name="connsiteX0" fmla="*/ 696831 w 7535917"/>
-              <a:gd name="connsiteY0" fmla="*/ 3032931 h 6858000"/>
-              <a:gd name="connsiteX1" fmla="*/ 696831 w 7535917"/>
-              <a:gd name="connsiteY1" fmla="*/ 3035810 h 6858000"/>
-              <a:gd name="connsiteX2" fmla="*/ 700589 w 7535917"/>
-              <a:gd name="connsiteY2" fmla="*/ 3035810 h 6858000"/>
-              <a:gd name="connsiteX3" fmla="*/ 794525 w 7535917"/>
-              <a:gd name="connsiteY3" fmla="*/ 1248347 h 6858000"/>
-              <a:gd name="connsiteX4" fmla="*/ 794525 w 7535917"/>
-              <a:gd name="connsiteY4" fmla="*/ 1273486 h 6858000"/>
-              <a:gd name="connsiteX5" fmla="*/ 807682 w 7535917"/>
-              <a:gd name="connsiteY5" fmla="*/ 1248347 h 6858000"/>
-              <a:gd name="connsiteX6" fmla="*/ 0 w 7535917"/>
-              <a:gd name="connsiteY6" fmla="*/ 0 h 6858000"/>
-              <a:gd name="connsiteX7" fmla="*/ 1757693 w 7535917"/>
-              <a:gd name="connsiteY7" fmla="*/ 0 h 6858000"/>
-              <a:gd name="connsiteX8" fmla="*/ 2253696 w 7535917"/>
-              <a:gd name="connsiteY8" fmla="*/ 0 h 6858000"/>
-              <a:gd name="connsiteX9" fmla="*/ 851266 w 7535917"/>
-              <a:gd name="connsiteY9" fmla="*/ 2669551 h 6858000"/>
-              <a:gd name="connsiteX10" fmla="*/ 859136 w 7535917"/>
-              <a:gd name="connsiteY10" fmla="*/ 2673350 h 6858000"/>
-              <a:gd name="connsiteX11" fmla="*/ 977542 w 7535917"/>
-              <a:gd name="connsiteY11" fmla="*/ 2754312 h 6858000"/>
-              <a:gd name="connsiteX12" fmla="*/ 7535917 w 7535917"/>
-              <a:gd name="connsiteY12" fmla="*/ 6858000 h 6858000"/>
-              <a:gd name="connsiteX13" fmla="*/ 5690757 w 7535917"/>
-              <a:gd name="connsiteY13" fmla="*/ 6858000 h 6858000"/>
-              <a:gd name="connsiteX14" fmla="*/ 5683676 w 7535917"/>
-              <a:gd name="connsiteY14" fmla="*/ 6852577 h 6858000"/>
-              <a:gd name="connsiteX15" fmla="*/ 5683676 w 7535917"/>
-              <a:gd name="connsiteY15" fmla="*/ 6857999 h 6858000"/>
-              <a:gd name="connsiteX16" fmla="*/ 1330812 w 7535917"/>
-              <a:gd name="connsiteY16" fmla="*/ 6857999 h 6858000"/>
-              <a:gd name="connsiteX17" fmla="*/ 1330812 w 7535917"/>
-              <a:gd name="connsiteY17" fmla="*/ 6858000 h 6858000"/>
-              <a:gd name="connsiteX18" fmla="*/ 696831 w 7535917"/>
-              <a:gd name="connsiteY18" fmla="*/ 6858000 h 6858000"/>
-              <a:gd name="connsiteX19" fmla="*/ 160379 w 7535917"/>
-              <a:gd name="connsiteY19" fmla="*/ 6858000 h 6858000"/>
-              <a:gd name="connsiteX20" fmla="*/ 0 w 7535917"/>
-              <a:gd name="connsiteY20" fmla="*/ 6858000 h 6858000"/>
-            </a:gdLst>
-            <a:ahLst/>
-            <a:cxnLst>
-              <a:cxn ang="0">
-                <a:pos x="connsiteX0" y="connsiteY0"/>
-              </a:cxn>
-              <a:cxn ang="0">
-                <a:pos x="connsiteX1" y="connsiteY1"/>
-              </a:cxn>
-              <a:cxn ang="0">
-                <a:pos x="connsiteX2" y="connsiteY2"/>
-              </a:cxn>
-              <a:cxn ang="0">
-                <a:pos x="connsiteX3" y="connsiteY3"/>
-              </a:cxn>
-              <a:cxn ang="0">
-                <a:pos x="connsiteX4" y="connsiteY4"/>
-              </a:cxn>
-              <a:cxn ang="0">
-                <a:pos x="connsiteX5" y="connsiteY5"/>
-              </a:cxn>
-              <a:cxn ang="0">
-                <a:pos x="connsiteX6" y="connsiteY6"/>
-              </a:cxn>
-              <a:cxn ang="0">
-                <a:pos x="connsiteX7" y="connsiteY7"/>
-              </a:cxn>
-              <a:cxn ang="0">
-                <a:pos x="connsiteX8" y="connsiteY8"/>
-              </a:cxn>
-              <a:cxn ang="0">
-                <a:pos x="connsiteX9" y="connsiteY9"/>
-              </a:cxn>
-              <a:cxn ang="0">
-                <a:pos x="connsiteX10" y="connsiteY10"/>
-              </a:cxn>
-              <a:cxn ang="0">
-                <a:pos x="connsiteX11" y="connsiteY11"/>
-              </a:cxn>
-              <a:cxn ang="0">
-                <a:pos x="connsiteX12" y="connsiteY12"/>
-              </a:cxn>
-              <a:cxn ang="0">
-                <a:pos x="connsiteX13" y="connsiteY13"/>
-              </a:cxn>
-              <a:cxn ang="0">
-                <a:pos x="connsiteX14" y="connsiteY14"/>
-              </a:cxn>
-              <a:cxn ang="0">
-                <a:pos x="connsiteX15" y="connsiteY15"/>
-              </a:cxn>
-              <a:cxn ang="0">
-                <a:pos x="connsiteX16" y="connsiteY16"/>
-              </a:cxn>
-              <a:cxn ang="0">
-                <a:pos x="connsiteX17" y="connsiteY17"/>
-              </a:cxn>
-              <a:cxn ang="0">
-                <a:pos x="connsiteX18" y="connsiteY18"/>
-              </a:cxn>
-              <a:cxn ang="0">
-                <a:pos x="connsiteX19" y="connsiteY19"/>
-              </a:cxn>
-              <a:cxn ang="0">
-                <a:pos x="connsiteX20" y="connsiteY20"/>
-              </a:cxn>
-            </a:cxnLst>
-            <a:rect l="l" t="t" r="r" b="b"/>
-            <a:pathLst>
-              <a:path w="7535917" h="6858000">
-                <a:moveTo>
-                  <a:pt x="696831" y="3032931"/>
-                </a:moveTo>
-                <a:lnTo>
-                  <a:pt x="696831" y="3035810"/>
-                </a:lnTo>
-                <a:lnTo>
-                  <a:pt x="700589" y="3035810"/>
-                </a:lnTo>
-                <a:close/>
-                <a:moveTo>
-                  <a:pt x="794525" y="1248347"/>
-                </a:moveTo>
-                <a:lnTo>
-                  <a:pt x="794525" y="1273486"/>
-                </a:lnTo>
-                <a:lnTo>
-                  <a:pt x="807682" y="1248347"/>
-                </a:lnTo>
-                <a:close/>
-                <a:moveTo>
-                  <a:pt x="0" y="0"/>
-                </a:moveTo>
-                <a:lnTo>
-                  <a:pt x="1757693" y="0"/>
-                </a:lnTo>
-                <a:lnTo>
-                  <a:pt x="2253696" y="0"/>
-                </a:lnTo>
-                <a:lnTo>
-                  <a:pt x="851266" y="2669551"/>
-                </a:lnTo>
-                <a:lnTo>
-                  <a:pt x="859136" y="2673350"/>
-                </a:lnTo>
-                <a:lnTo>
-                  <a:pt x="977542" y="2754312"/>
-                </a:lnTo>
-                <a:lnTo>
-                  <a:pt x="7535917" y="6858000"/>
-                </a:lnTo>
-                <a:lnTo>
-                  <a:pt x="5690757" y="6858000"/>
-                </a:lnTo>
-                <a:lnTo>
-                  <a:pt x="5683676" y="6852577"/>
-                </a:lnTo>
-                <a:lnTo>
-                  <a:pt x="5683676" y="6857999"/>
-                </a:lnTo>
-                <a:lnTo>
-                  <a:pt x="1330812" y="6857999"/>
-                </a:lnTo>
-                <a:lnTo>
-                  <a:pt x="1330812" y="6858000"/>
-                </a:lnTo>
-                <a:lnTo>
-                  <a:pt x="696831" y="6858000"/>
-                </a:lnTo>
-                <a:lnTo>
-                  <a:pt x="160379" y="6858000"/>
-                </a:lnTo>
-                <a:lnTo>
-                  <a:pt x="0" y="6858000"/>
-                </a:lnTo>
-                <a:close/>
-              </a:path>
-            </a:pathLst>
-          </a:custGeom>
-          <a:ln>
-            <a:noFill/>
-          </a:ln>
-        </p:spPr>
-        <p:style>
-          <a:lnRef idx="2">
-            <a:schemeClr val="accent1">
-              <a:shade val="50000"/>
-            </a:schemeClr>
-          </a:lnRef>
-          <a:fillRef idx="1">
-            <a:schemeClr val="accent1"/>
-          </a:fillRef>
-          <a:effectRef idx="0">
-            <a:schemeClr val="accent1"/>
-          </a:effectRef>
-          <a:fontRef idx="minor">
-            <a:schemeClr val="lt1"/>
-          </a:fontRef>
-        </p:style>
-        <p:txBody>
-          <a:bodyPr wrap="square" rtlCol="0" anchor="ctr">
-            <a:noAutofit/>
-          </a:bodyPr>
-          <a:lstStyle/>
-          <a:p>
-            <a:pPr algn="ctr"/>
-            <a:endParaRPr lang="en-US"/>
-          </a:p>
-        </p:txBody>
-      </p:sp>
-      <p:sp>
-        <p:nvSpPr>
-          <p:cNvPr id="2" name="Title 1">
-            <a:extLst>
-              <a:ext uri="{FF2B5EF4-FFF2-40B4-BE49-F238E27FC236}">
-                <a16:creationId xmlns:a16="http://schemas.microsoft.com/office/drawing/2014/main" id="{B9F8573B-AE06-493C-BDF1-32BDEC9868D6}"/>
-              </a:ext>
-            </a:extLst>
-          </p:cNvPr>
-          <p:cNvSpPr>
-            <a:spLocks noGrp="1"/>
-          </p:cNvSpPr>
-          <p:nvPr>
-            <p:ph type="ctrTitle"/>
-          </p:nvPr>
-        </p:nvSpPr>
-        <p:spPr>
-          <a:xfrm>
-            <a:off x="3444658" y="755904"/>
-            <a:ext cx="7711025" cy="3084576"/>
-          </a:xfrm>
-        </p:spPr>
-        <p:txBody>
-          <a:bodyPr anchor="ctr">
-            <a:normAutofit/>
-          </a:bodyPr>
-          <a:lstStyle/>
-          <a:p>
-            <a:pPr algn="l"/>
-            <a:r>
-              <a:rPr lang="en-GB" dirty="0" err="1"/>
-              <a:t>reKindle</a:t>
-            </a:r>
-            <a:endParaRPr lang="en-MT" dirty="0"/>
-          </a:p>
-        </p:txBody>
-      </p:sp>
-      <p:sp>
-        <p:nvSpPr>
-          <p:cNvPr id="3" name="Subtitle 2">
-            <a:extLst>
-              <a:ext uri="{FF2B5EF4-FFF2-40B4-BE49-F238E27FC236}">
-                <a16:creationId xmlns:a16="http://schemas.microsoft.com/office/drawing/2014/main" id="{D90D8F34-88BE-4077-A9E5-04E9117762C6}"/>
-              </a:ext>
-            </a:extLst>
-          </p:cNvPr>
-          <p:cNvSpPr>
-            <a:spLocks noGrp="1"/>
-          </p:cNvSpPr>
-          <p:nvPr>
-            <p:ph type="subTitle" idx="1"/>
-          </p:nvPr>
-        </p:nvSpPr>
-        <p:spPr>
-          <a:xfrm>
-            <a:off x="7785716" y="4089910"/>
-            <a:ext cx="4003829" cy="1712176"/>
-          </a:xfrm>
-        </p:spPr>
-        <p:txBody>
-          <a:bodyPr>
-            <a:normAutofit/>
-          </a:bodyPr>
-          <a:lstStyle/>
-          <a:p>
-            <a:pPr algn="l"/>
-            <a:r>
-              <a:rPr lang="en-GB" dirty="0"/>
-              <a:t>A social platform for volunteering </a:t>
-            </a:r>
-            <a:endParaRPr lang="en-MT" dirty="0"/>
-          </a:p>
-        </p:txBody>
-      </p:sp>
-      <p:pic>
-        <p:nvPicPr>
-          <p:cNvPr id="7" name="Picture 6">
-            <a:extLst>
-              <a:ext uri="{FF2B5EF4-FFF2-40B4-BE49-F238E27FC236}">
-                <a16:creationId xmlns:a16="http://schemas.microsoft.com/office/drawing/2014/main" id="{E624678F-0528-42BC-9B4D-8CB02C7FA2CD}"/>
-              </a:ext>
-            </a:extLst>
-          </p:cNvPr>
-          <p:cNvPicPr>
-            <a:picLocks noChangeAspect="1"/>
-          </p:cNvPicPr>
-          <p:nvPr/>
-        </p:nvPicPr>
-        <p:blipFill>
-          <a:blip r:embed="rId2">
-            <a:extLst>
-              <a:ext uri="{28A0092B-C50C-407E-A947-70E740481C1C}">
-                <a14:useLocalDpi xmlns:a14="http://schemas.microsoft.com/office/drawing/2010/main" val="0"/>
-              </a:ext>
-            </a:extLst>
-          </a:blip>
-          <a:stretch>
-            <a:fillRect/>
-          </a:stretch>
-        </p:blipFill>
-        <p:spPr>
-          <a:xfrm>
-            <a:off x="8626650" y="449580"/>
-            <a:ext cx="1814513" cy="3390900"/>
-          </a:xfrm>
-          <a:prstGeom prst="rect">
-            <a:avLst/>
-          </a:prstGeom>
-        </p:spPr>
-      </p:pic>
-    </p:spTree>
-    <p:extLst>
-      <p:ext uri="{BB962C8B-B14F-4D97-AF65-F5344CB8AC3E}">
-        <p14:creationId xmlns:p14="http://schemas.microsoft.com/office/powerpoint/2010/main" val="2707640518"/>
-      </p:ext>
-    </p:extLst>
-  </p:cSld>
-  <p:clrMapOvr>
-    <a:overrideClrMapping bg1="dk1" tx1="lt1" bg2="dk2" tx2="lt2" accent1="accent1" accent2="accent2" accent3="accent3" accent4="accent4" accent5="accent5" accent6="accent6" hlink="hlink" folHlink="folHlink"/>
-  </p:clrMapOvr>
-</p:sld>
-</file>
-
-<file path=ppt/slides/slide2.xml><?xml version="1.0" encoding="utf-8"?>
-<p:sld xmlns:a="http://schemas.openxmlformats.org/drawingml/2006/main" xmlns:r="http://schemas.openxmlformats.org/officeDocument/2006/relationships" xmlns:p="http://schemas.openxmlformats.org/presentationml/2006/main">
-  <p:cSld>
-    <p:spTree>
-      <p:nvGrpSpPr>
-        <p:cNvPr id="1" name=""/>
-        <p:cNvGrpSpPr/>
-        <p:nvPr/>
-      </p:nvGrpSpPr>
-      <p:grpSpPr>
-        <a:xfrm>
-          <a:off x="0" y="0"/>
-          <a:ext cx="0" cy="0"/>
-          <a:chOff x="0" y="0"/>
-          <a:chExt cx="0" cy="0"/>
-        </a:xfrm>
-      </p:grpSpPr>
       <p:sp>
         <p:nvSpPr>
           <p:cNvPr id="4" name="Title 3">
@@ -6850,18 +6155,27 @@
         </p:nvSpPr>
         <p:spPr>
           <a:xfrm>
-            <a:off x="124286" y="-15535"/>
+            <a:off x="91060" y="316638"/>
             <a:ext cx="11887199" cy="805649"/>
           </a:xfrm>
         </p:spPr>
         <p:txBody>
-          <a:bodyPr/>
+          <a:bodyPr>
+            <a:normAutofit fontScale="90000"/>
+          </a:bodyPr>
           <a:lstStyle/>
           <a:p>
             <a:r>
               <a:rPr lang="en-GB" dirty="0" err="1"/>
               <a:t>reKindle</a:t>
             </a:r>
+            <a:r>
+              <a:rPr lang="en-GB" dirty="0"/>
+              <a:t> - A social platform for volunteering </a:t>
+            </a:r>
+            <a:br>
+              <a:rPr lang="en-MT" dirty="0"/>
+            </a:br>
             <a:endParaRPr lang="en-MT" dirty="0"/>
           </a:p>
         </p:txBody>
@@ -6973,14 +6287,14 @@
             <a:pPr lvl="1"/>
             <a:r>
               <a:rPr lang="en-GB" dirty="0"/>
-              <a:t>The organisation then creates a case on the application</a:t>
+              <a:t>The organisation then creates a case on the application.</a:t>
             </a:r>
           </a:p>
           <a:p>
             <a:pPr lvl="1"/>
             <a:r>
               <a:rPr lang="en-GB" dirty="0"/>
-              <a:t>A set of users choose to invest time/money into the case</a:t>
+              <a:t>A set of users choose to invest time/money into the case.</a:t>
             </a:r>
           </a:p>
           <a:p>
@@ -6994,22 +6308,22 @@
             <a:pPr lvl="1"/>
             <a:r>
               <a:rPr lang="en-GB" dirty="0"/>
-              <a:t>The individual registered with the case has got the help needed to get their life back on track.</a:t>
+              <a:t>The individual registered with the case gets the help intended to get their life back on track.</a:t>
             </a:r>
           </a:p>
           <a:p>
             <a:pPr lvl="1"/>
             <a:r>
               <a:rPr lang="en-GB" dirty="0"/>
-              <a:t>The individuals are updated with the progress of </a:t>
-            </a:r>
-            <a:r>
-              <a:rPr lang="en-GB"/>
-              <a:t>the individual</a:t>
+              <a:t>The individuals are updated with the progress of the person being invested in.</a:t>
             </a:r>
           </a:p>
           <a:p>
             <a:pPr lvl="1"/>
+            <a:r>
+              <a:rPr lang="en-GB" dirty="0"/>
+              <a:t>Each individual’s case could then be used as a knowledge base for future cases.</a:t>
+            </a:r>
             <a:endParaRPr lang="en-MT" dirty="0"/>
           </a:p>
         </p:txBody>
@@ -7292,14 +6606,14 @@
             <a:pPr lvl="2"/>
             <a:r>
               <a:rPr lang="en-GB" dirty="0"/>
-              <a:t>A pre-set amount every month deducted from the user’s wage.</a:t>
+              <a:t>Pre-set amount to be deducted every month from the user’s wage.</a:t>
             </a:r>
           </a:p>
           <a:p>
             <a:pPr lvl="2"/>
             <a:r>
               <a:rPr lang="en-GB" dirty="0"/>
-              <a:t>Cash Injections from sponsor utilising the platform to perform Corporate Social Responsibility</a:t>
+              <a:t>Cash Injections from sponsors utilising the platform to perform Corporate Social Responsibility.</a:t>
             </a:r>
           </a:p>
           <a:p>
@@ -7392,6 +6706,42 @@
           </a:fontRef>
         </p:style>
       </p:cxnSp>
+      <p:pic>
+        <p:nvPicPr>
+          <p:cNvPr id="9" name="Picture 8">
+            <a:extLst>
+              <a:ext uri="{FF2B5EF4-FFF2-40B4-BE49-F238E27FC236}">
+                <a16:creationId xmlns:a16="http://schemas.microsoft.com/office/drawing/2014/main" id="{E1EF5272-BA4B-4357-8834-B2D5029B5C4E}"/>
+              </a:ext>
+            </a:extLst>
+          </p:cNvPr>
+          <p:cNvPicPr>
+            <a:picLocks noChangeAspect="1"/>
+          </p:cNvPicPr>
+          <p:nvPr/>
+        </p:nvPicPr>
+        <p:blipFill>
+          <a:blip r:embed="rId2">
+            <a:extLst>
+              <a:ext uri="{28A0092B-C50C-407E-A947-70E740481C1C}">
+                <a14:useLocalDpi xmlns:a14="http://schemas.microsoft.com/office/drawing/2010/main" val="0"/>
+              </a:ext>
+            </a:extLst>
+          </a:blip>
+          <a:stretch>
+            <a:fillRect/>
+          </a:stretch>
+        </p:blipFill>
+        <p:spPr>
+          <a:xfrm>
+            <a:off x="10270616" y="-492524"/>
+            <a:ext cx="1814513" cy="3390900"/>
+          </a:xfrm>
+          <a:prstGeom prst="rect">
+            <a:avLst/>
+          </a:prstGeom>
+        </p:spPr>
+      </p:pic>
     </p:spTree>
     <p:extLst>
       <p:ext uri="{BB962C8B-B14F-4D97-AF65-F5344CB8AC3E}">
